--- a/網頁.pptx
+++ b/網頁.pptx
@@ -15,8 +15,9 @@
     <p:sldId id="264" r:id="rId9"/>
     <p:sldId id="265" r:id="rId10"/>
     <p:sldId id="267" r:id="rId11"/>
-    <p:sldId id="266" r:id="rId12"/>
-    <p:sldId id="268" r:id="rId13"/>
+    <p:sldId id="269" r:id="rId12"/>
+    <p:sldId id="266" r:id="rId13"/>
+    <p:sldId id="268" r:id="rId14"/>
   </p:sldIdLst>
   <p:sldSz cx="12192000" cy="6858000"/>
   <p:notesSz cx="6858000" cy="9144000"/>
@@ -115,6 +116,11 @@
       </a:defRPr>
     </a:lvl9pPr>
   </p:defaultTextStyle>
+  <p:extLst>
+    <p:ext uri="{EFAFB233-063F-42B5-8137-9DF3F51BA10A}">
+      <p15:sldGuideLst xmlns:p15="http://schemas.microsoft.com/office/powerpoint/2012/main"/>
+    </p:ext>
+  </p:extLst>
 </p:presentation>
 </file>
 
@@ -306,7 +312,7 @@
           <a:p>
             <a:fld id="{2BE50D12-FB29-4ACD-8866-E126982179CB}" type="datetimeFigureOut">
               <a:rPr lang="zh-TW" altLang="en-US" smtClean="0"/>
-              <a:t>2020/4/29</a:t>
+              <a:t>2020/4/30</a:t>
             </a:fld>
             <a:endParaRPr lang="zh-TW" altLang="en-US"/>
           </a:p>
@@ -644,7 +650,7 @@
           <a:p>
             <a:fld id="{2BE50D12-FB29-4ACD-8866-E126982179CB}" type="datetimeFigureOut">
               <a:rPr lang="zh-TW" altLang="en-US" smtClean="0"/>
-              <a:t>2020/4/29</a:t>
+              <a:t>2020/4/30</a:t>
             </a:fld>
             <a:endParaRPr lang="zh-TW" altLang="en-US"/>
           </a:p>
@@ -1045,7 +1051,7 @@
           <a:p>
             <a:fld id="{2BE50D12-FB29-4ACD-8866-E126982179CB}" type="datetimeFigureOut">
               <a:rPr lang="zh-TW" altLang="en-US" smtClean="0"/>
-              <a:t>2020/4/29</a:t>
+              <a:t>2020/4/30</a:t>
             </a:fld>
             <a:endParaRPr lang="zh-TW" altLang="en-US"/>
           </a:p>
@@ -1381,7 +1387,7 @@
           <a:p>
             <a:fld id="{2BE50D12-FB29-4ACD-8866-E126982179CB}" type="datetimeFigureOut">
               <a:rPr lang="zh-TW" altLang="en-US" smtClean="0"/>
-              <a:t>2020/4/29</a:t>
+              <a:t>2020/4/30</a:t>
             </a:fld>
             <a:endParaRPr lang="zh-TW" altLang="en-US"/>
           </a:p>
@@ -1701,7 +1707,7 @@
           <a:p>
             <a:fld id="{2BE50D12-FB29-4ACD-8866-E126982179CB}" type="datetimeFigureOut">
               <a:rPr lang="zh-TW" altLang="en-US" smtClean="0"/>
-              <a:t>2020/4/29</a:t>
+              <a:t>2020/4/30</a:t>
             </a:fld>
             <a:endParaRPr lang="zh-TW" altLang="en-US"/>
           </a:p>
@@ -2097,7 +2103,7 @@
           <a:p>
             <a:fld id="{2BE50D12-FB29-4ACD-8866-E126982179CB}" type="datetimeFigureOut">
               <a:rPr lang="zh-TW" altLang="en-US" smtClean="0"/>
-              <a:t>2020/4/29</a:t>
+              <a:t>2020/4/30</a:t>
             </a:fld>
             <a:endParaRPr lang="zh-TW" altLang="en-US"/>
           </a:p>
@@ -2354,7 +2360,7 @@
           <a:p>
             <a:fld id="{2BE50D12-FB29-4ACD-8866-E126982179CB}" type="datetimeFigureOut">
               <a:rPr lang="zh-TW" altLang="en-US" smtClean="0"/>
-              <a:t>2020/4/29</a:t>
+              <a:t>2020/4/30</a:t>
             </a:fld>
             <a:endParaRPr lang="zh-TW" altLang="en-US"/>
           </a:p>
@@ -2616,7 +2622,7 @@
           <a:p>
             <a:fld id="{2BE50D12-FB29-4ACD-8866-E126982179CB}" type="datetimeFigureOut">
               <a:rPr lang="zh-TW" altLang="en-US" smtClean="0"/>
-              <a:t>2020/4/29</a:t>
+              <a:t>2020/4/30</a:t>
             </a:fld>
             <a:endParaRPr lang="zh-TW" altLang="en-US"/>
           </a:p>
@@ -2878,7 +2884,7 @@
           <a:p>
             <a:fld id="{2BE50D12-FB29-4ACD-8866-E126982179CB}" type="datetimeFigureOut">
               <a:rPr lang="zh-TW" altLang="en-US" smtClean="0"/>
-              <a:t>2020/4/29</a:t>
+              <a:t>2020/4/30</a:t>
             </a:fld>
             <a:endParaRPr lang="zh-TW" altLang="en-US"/>
           </a:p>
@@ -3207,7 +3213,7 @@
           <a:p>
             <a:fld id="{2BE50D12-FB29-4ACD-8866-E126982179CB}" type="datetimeFigureOut">
               <a:rPr lang="zh-TW" altLang="en-US" smtClean="0"/>
-              <a:t>2020/4/29</a:t>
+              <a:t>2020/4/30</a:t>
             </a:fld>
             <a:endParaRPr lang="zh-TW" altLang="en-US"/>
           </a:p>
@@ -3530,7 +3536,7 @@
           <a:p>
             <a:fld id="{2BE50D12-FB29-4ACD-8866-E126982179CB}" type="datetimeFigureOut">
               <a:rPr lang="zh-TW" altLang="en-US" smtClean="0"/>
-              <a:t>2020/4/29</a:t>
+              <a:t>2020/4/30</a:t>
             </a:fld>
             <a:endParaRPr lang="zh-TW" altLang="en-US"/>
           </a:p>
@@ -3987,7 +3993,7 @@
           <a:p>
             <a:fld id="{2BE50D12-FB29-4ACD-8866-E126982179CB}" type="datetimeFigureOut">
               <a:rPr lang="zh-TW" altLang="en-US" smtClean="0"/>
-              <a:t>2020/4/29</a:t>
+              <a:t>2020/4/30</a:t>
             </a:fld>
             <a:endParaRPr lang="zh-TW" altLang="en-US"/>
           </a:p>
@@ -4192,7 +4198,7 @@
           <a:p>
             <a:fld id="{2BE50D12-FB29-4ACD-8866-E126982179CB}" type="datetimeFigureOut">
               <a:rPr lang="zh-TW" altLang="en-US" smtClean="0"/>
-              <a:t>2020/4/29</a:t>
+              <a:t>2020/4/30</a:t>
             </a:fld>
             <a:endParaRPr lang="zh-TW" altLang="en-US"/>
           </a:p>
@@ -4369,7 +4375,7 @@
           <a:p>
             <a:fld id="{2BE50D12-FB29-4ACD-8866-E126982179CB}" type="datetimeFigureOut">
               <a:rPr lang="zh-TW" altLang="en-US" smtClean="0"/>
-              <a:t>2020/4/29</a:t>
+              <a:t>2020/4/30</a:t>
             </a:fld>
             <a:endParaRPr lang="zh-TW" altLang="en-US"/>
           </a:p>
@@ -4702,7 +4708,7 @@
           <a:p>
             <a:fld id="{2BE50D12-FB29-4ACD-8866-E126982179CB}" type="datetimeFigureOut">
               <a:rPr lang="zh-TW" altLang="en-US" smtClean="0"/>
-              <a:t>2020/4/29</a:t>
+              <a:t>2020/4/30</a:t>
             </a:fld>
             <a:endParaRPr lang="zh-TW" altLang="en-US"/>
           </a:p>
@@ -5047,7 +5053,7 @@
           <a:p>
             <a:fld id="{2BE50D12-FB29-4ACD-8866-E126982179CB}" type="datetimeFigureOut">
               <a:rPr lang="zh-TW" altLang="en-US" smtClean="0"/>
-              <a:t>2020/4/29</a:t>
+              <a:t>2020/4/30</a:t>
             </a:fld>
             <a:endParaRPr lang="zh-TW" altLang="en-US"/>
           </a:p>
@@ -7164,7 +7170,7 @@
           <a:p>
             <a:fld id="{2BE50D12-FB29-4ACD-8866-E126982179CB}" type="datetimeFigureOut">
               <a:rPr lang="zh-TW" altLang="en-US" smtClean="0"/>
-              <a:t>2020/4/29</a:t>
+              <a:t>2020/4/30</a:t>
             </a:fld>
             <a:endParaRPr lang="zh-TW" altLang="en-US"/>
           </a:p>
@@ -7907,6 +7913,104 @@
             <p:ph type="title"/>
           </p:nvPr>
         </p:nvSpPr>
+        <p:spPr/>
+        <p:txBody>
+          <a:bodyPr/>
+          <a:lstStyle/>
+          <a:p>
+            <a:r>
+              <a:rPr lang="en-US" altLang="zh-TW" dirty="0" smtClean="0"/>
+              <a:t>GitHub</a:t>
+            </a:r>
+            <a:r>
+              <a:rPr lang="zh-TW" altLang="en-US" dirty="0" smtClean="0"/>
+              <a:t> 連結</a:t>
+            </a:r>
+            <a:endParaRPr lang="zh-TW" altLang="en-US" dirty="0"/>
+          </a:p>
+        </p:txBody>
+      </p:sp>
+      <p:sp>
+        <p:nvSpPr>
+          <p:cNvPr id="3" name="內容版面配置區 2"/>
+          <p:cNvSpPr>
+            <a:spLocks noGrp="1"/>
+          </p:cNvSpPr>
+          <p:nvPr>
+            <p:ph idx="1"/>
+          </p:nvPr>
+        </p:nvSpPr>
+        <p:spPr/>
+        <p:txBody>
+          <a:bodyPr/>
+          <a:lstStyle/>
+          <a:p>
+            <a:r>
+              <a:rPr lang="en-US" altLang="zh-TW" dirty="0">
+                <a:hlinkClick r:id="rId2"/>
+              </a:rPr>
+              <a:t>https://</a:t>
+            </a:r>
+            <a:r>
+              <a:rPr lang="en-US" altLang="zh-TW" dirty="0" smtClean="0">
+                <a:hlinkClick r:id="rId2"/>
+              </a:rPr>
+              <a:t>github.com/shashishajin/Web_Project.git</a:t>
+            </a:r>
+            <a:endParaRPr lang="en-US" altLang="zh-TW" dirty="0" smtClean="0"/>
+          </a:p>
+          <a:p>
+            <a:endParaRPr lang="zh-TW" altLang="en-US" dirty="0"/>
+          </a:p>
+        </p:txBody>
+      </p:sp>
+    </p:spTree>
+    <p:extLst>
+      <p:ext uri="{BB962C8B-B14F-4D97-AF65-F5344CB8AC3E}">
+        <p14:creationId xmlns:p14="http://schemas.microsoft.com/office/powerpoint/2010/main" val="1551777262"/>
+      </p:ext>
+    </p:extLst>
+  </p:cSld>
+  <p:clrMapOvr>
+    <a:masterClrMapping/>
+  </p:clrMapOvr>
+  <p:timing>
+    <p:tnLst>
+      <p:par>
+        <p:cTn id="1" dur="indefinite" restart="never" nodeType="tmRoot"/>
+      </p:par>
+    </p:tnLst>
+  </p:timing>
+</p:sld>
+</file>
+
+<file path=ppt/slides/slide12.xml><?xml version="1.0" encoding="utf-8"?>
+<p:sld xmlns:a="http://schemas.openxmlformats.org/drawingml/2006/main" xmlns:r="http://schemas.openxmlformats.org/officeDocument/2006/relationships" xmlns:p="http://schemas.openxmlformats.org/presentationml/2006/main">
+  <p:cSld>
+    <p:spTree>
+      <p:nvGrpSpPr>
+        <p:cNvPr id="1" name=""/>
+        <p:cNvGrpSpPr/>
+        <p:nvPr/>
+      </p:nvGrpSpPr>
+      <p:grpSpPr>
+        <a:xfrm>
+          <a:off x="0" y="0"/>
+          <a:ext cx="0" cy="0"/>
+          <a:chOff x="0" y="0"/>
+          <a:chExt cx="0" cy="0"/>
+        </a:xfrm>
+      </p:grpSpPr>
+      <p:sp>
+        <p:nvSpPr>
+          <p:cNvPr id="2" name="標題 1"/>
+          <p:cNvSpPr>
+            <a:spLocks noGrp="1"/>
+          </p:cNvSpPr>
+          <p:nvPr>
+            <p:ph type="title"/>
+          </p:nvPr>
+        </p:nvSpPr>
         <p:spPr>
           <a:xfrm>
             <a:off x="4970959" y="1212585"/>
@@ -8684,7 +8788,7 @@
 </p:sld>
 </file>
 
-<file path=ppt/slides/slide12.xml><?xml version="1.0" encoding="utf-8"?>
+<file path=ppt/slides/slide13.xml><?xml version="1.0" encoding="utf-8"?>
 <p:sld xmlns:a="http://schemas.openxmlformats.org/drawingml/2006/main" xmlns:r="http://schemas.openxmlformats.org/officeDocument/2006/relationships" xmlns:p="http://schemas.openxmlformats.org/presentationml/2006/main">
   <p:cSld>
     <p:spTree>
